--- a/草案/クラッカー_草案.pptx
+++ b/草案/クラッカー_草案.pptx
@@ -197,7 +197,7 @@
           <a:p>
             <a:fld id="{A52216B0-ED99-48E6-91EA-9ED8E980607A}" type="datetimeFigureOut">
               <a:rPr kumimoji="1" lang="ja-JP" altLang="en-US" smtClean="0"/>
-              <a:t>2022/2/21</a:t>
+              <a:t>2022/2/22</a:t>
             </a:fld>
             <a:endParaRPr kumimoji="1" lang="ja-JP" altLang="en-US"/>
           </a:p>
@@ -711,7 +711,7 @@
           <a:p>
             <a:fld id="{FB2620A9-A6CF-463A-9F4E-93F54072BF3F}" type="datetimeFigureOut">
               <a:rPr kumimoji="1" lang="ja-JP" altLang="en-US" smtClean="0"/>
-              <a:t>2022/2/21</a:t>
+              <a:t>2022/2/22</a:t>
             </a:fld>
             <a:endParaRPr kumimoji="1" lang="ja-JP" altLang="en-US"/>
           </a:p>
@@ -913,7 +913,7 @@
           <a:p>
             <a:fld id="{FB2620A9-A6CF-463A-9F4E-93F54072BF3F}" type="datetimeFigureOut">
               <a:rPr kumimoji="1" lang="ja-JP" altLang="en-US" smtClean="0"/>
-              <a:t>2022/2/21</a:t>
+              <a:t>2022/2/22</a:t>
             </a:fld>
             <a:endParaRPr kumimoji="1" lang="ja-JP" altLang="en-US"/>
           </a:p>
@@ -1125,7 +1125,7 @@
           <a:p>
             <a:fld id="{FB2620A9-A6CF-463A-9F4E-93F54072BF3F}" type="datetimeFigureOut">
               <a:rPr kumimoji="1" lang="ja-JP" altLang="en-US" smtClean="0"/>
-              <a:t>2022/2/21</a:t>
+              <a:t>2022/2/22</a:t>
             </a:fld>
             <a:endParaRPr kumimoji="1" lang="ja-JP" altLang="en-US"/>
           </a:p>
@@ -1327,7 +1327,7 @@
           <a:p>
             <a:fld id="{FB2620A9-A6CF-463A-9F4E-93F54072BF3F}" type="datetimeFigureOut">
               <a:rPr kumimoji="1" lang="ja-JP" altLang="en-US" smtClean="0"/>
-              <a:t>2022/2/21</a:t>
+              <a:t>2022/2/22</a:t>
             </a:fld>
             <a:endParaRPr kumimoji="1" lang="ja-JP" altLang="en-US"/>
           </a:p>
@@ -1571,7 +1571,7 @@
           <a:p>
             <a:fld id="{FB2620A9-A6CF-463A-9F4E-93F54072BF3F}" type="datetimeFigureOut">
               <a:rPr kumimoji="1" lang="ja-JP" altLang="en-US" smtClean="0"/>
-              <a:t>2022/2/21</a:t>
+              <a:t>2022/2/22</a:t>
             </a:fld>
             <a:endParaRPr kumimoji="1" lang="ja-JP" altLang="en-US"/>
           </a:p>
@@ -1867,7 +1867,7 @@
           <a:p>
             <a:fld id="{FB2620A9-A6CF-463A-9F4E-93F54072BF3F}" type="datetimeFigureOut">
               <a:rPr kumimoji="1" lang="ja-JP" altLang="en-US" smtClean="0"/>
-              <a:t>2022/2/21</a:t>
+              <a:t>2022/2/22</a:t>
             </a:fld>
             <a:endParaRPr kumimoji="1" lang="ja-JP" altLang="en-US"/>
           </a:p>
@@ -2298,7 +2298,7 @@
           <a:p>
             <a:fld id="{FB2620A9-A6CF-463A-9F4E-93F54072BF3F}" type="datetimeFigureOut">
               <a:rPr kumimoji="1" lang="ja-JP" altLang="en-US" smtClean="0"/>
-              <a:t>2022/2/21</a:t>
+              <a:t>2022/2/22</a:t>
             </a:fld>
             <a:endParaRPr kumimoji="1" lang="ja-JP" altLang="en-US"/>
           </a:p>
@@ -2416,7 +2416,7 @@
           <a:p>
             <a:fld id="{FB2620A9-A6CF-463A-9F4E-93F54072BF3F}" type="datetimeFigureOut">
               <a:rPr kumimoji="1" lang="ja-JP" altLang="en-US" smtClean="0"/>
-              <a:t>2022/2/21</a:t>
+              <a:t>2022/2/22</a:t>
             </a:fld>
             <a:endParaRPr kumimoji="1" lang="ja-JP" altLang="en-US"/>
           </a:p>
@@ -2511,7 +2511,7 @@
           <a:p>
             <a:fld id="{FB2620A9-A6CF-463A-9F4E-93F54072BF3F}" type="datetimeFigureOut">
               <a:rPr kumimoji="1" lang="ja-JP" altLang="en-US" smtClean="0"/>
-              <a:t>2022/2/21</a:t>
+              <a:t>2022/2/22</a:t>
             </a:fld>
             <a:endParaRPr kumimoji="1" lang="ja-JP" altLang="en-US"/>
           </a:p>
@@ -2820,7 +2820,7 @@
           <a:p>
             <a:fld id="{FB2620A9-A6CF-463A-9F4E-93F54072BF3F}" type="datetimeFigureOut">
               <a:rPr kumimoji="1" lang="ja-JP" altLang="en-US" smtClean="0"/>
-              <a:t>2022/2/21</a:t>
+              <a:t>2022/2/22</a:t>
             </a:fld>
             <a:endParaRPr kumimoji="1" lang="ja-JP" altLang="en-US"/>
           </a:p>
@@ -3077,7 +3077,7 @@
           <a:p>
             <a:fld id="{FB2620A9-A6CF-463A-9F4E-93F54072BF3F}" type="datetimeFigureOut">
               <a:rPr kumimoji="1" lang="ja-JP" altLang="en-US" smtClean="0"/>
-              <a:t>2022/2/21</a:t>
+              <a:t>2022/2/22</a:t>
             </a:fld>
             <a:endParaRPr kumimoji="1" lang="ja-JP" altLang="en-US"/>
           </a:p>
@@ -3322,7 +3322,7 @@
           <a:p>
             <a:fld id="{FB2620A9-A6CF-463A-9F4E-93F54072BF3F}" type="datetimeFigureOut">
               <a:rPr kumimoji="1" lang="ja-JP" altLang="en-US" smtClean="0"/>
-              <a:t>2022/2/21</a:t>
+              <a:t>2022/2/22</a:t>
             </a:fld>
             <a:endParaRPr kumimoji="1" lang="ja-JP" altLang="en-US"/>
           </a:p>
@@ -18376,7 +18376,7 @@
         </p:nvGrpSpPr>
         <p:grpSpPr>
           <a:xfrm>
-            <a:off x="4472076" y="4583987"/>
+            <a:off x="8415382" y="4432640"/>
             <a:ext cx="653702" cy="1118704"/>
             <a:chOff x="4044232" y="4612956"/>
             <a:chExt cx="653702" cy="1118704"/>
@@ -29593,6 +29593,36 @@
           </p:grpSp>
         </p:grpSp>
       </p:grpSp>
+      <p:pic>
+        <p:nvPicPr>
+          <p:cNvPr id="23" name="図 22">
+            <a:extLst>
+              <a:ext uri="{FF2B5EF4-FFF2-40B4-BE49-F238E27FC236}">
+                <a16:creationId xmlns:a16="http://schemas.microsoft.com/office/drawing/2014/main" id="{DFDD41D3-E876-4F10-815F-74C43C21063F}"/>
+              </a:ext>
+            </a:extLst>
+          </p:cNvPr>
+          <p:cNvPicPr>
+            <a:picLocks noChangeAspect="1"/>
+          </p:cNvPicPr>
+          <p:nvPr/>
+        </p:nvPicPr>
+        <p:blipFill>
+          <a:blip r:embed="rId4"/>
+          <a:stretch>
+            <a:fillRect/>
+          </a:stretch>
+        </p:blipFill>
+        <p:spPr>
+          <a:xfrm>
+            <a:off x="4302490" y="4542044"/>
+            <a:ext cx="920883" cy="1270183"/>
+          </a:xfrm>
+          <a:prstGeom prst="rect">
+            <a:avLst/>
+          </a:prstGeom>
+        </p:spPr>
+      </p:pic>
     </p:spTree>
     <p:extLst>
       <p:ext uri="{BB962C8B-B14F-4D97-AF65-F5344CB8AC3E}">
@@ -30163,21 +30193,6 @@
 </file>
 
 <file path=customXml/item1.xml><?xml version="1.0" encoding="utf-8"?>
-<?mso-contentType ?>
-<FormTemplates xmlns="http://schemas.microsoft.com/sharepoint/v3/contenttype/forms">
-  <Display>DocumentLibraryForm</Display>
-  <Edit>DocumentLibraryForm</Edit>
-  <New>DocumentLibraryForm</New>
-</FormTemplates>
-</file>
-
-<file path=customXml/item2.xml><?xml version="1.0" encoding="utf-8"?>
-<p:properties xmlns:p="http://schemas.microsoft.com/office/2006/metadata/properties" xmlns:xsi="http://www.w3.org/2001/XMLSchema-instance" xmlns:pc="http://schemas.microsoft.com/office/infopath/2007/PartnerControls">
-  <documentManagement/>
-</p:properties>
-</file>
-
-<file path=customXml/item3.xml><?xml version="1.0" encoding="utf-8"?>
 <ct:contentTypeSchema xmlns:ct="http://schemas.microsoft.com/office/2006/metadata/contentType" xmlns:ma="http://schemas.microsoft.com/office/2006/metadata/properties/metaAttributes" ct:_="" ma:_="" ma:contentTypeName="ドキュメント" ma:contentTypeID="0x0101009D95402590FAFE45B13105A838DF44B5" ma:contentTypeVersion="8" ma:contentTypeDescription="新しいドキュメントを作成します。" ma:contentTypeScope="" ma:versionID="2c5b54ce2d6612fcc507ccacce5de2c4">
   <xsd:schema xmlns:xsd="http://www.w3.org/2001/XMLSchema" xmlns:xs="http://www.w3.org/2001/XMLSchema" xmlns:p="http://schemas.microsoft.com/office/2006/metadata/properties" xmlns:ns2="03166b46-52e3-40b9-9bb8-75af4c8b4270" targetNamespace="http://schemas.microsoft.com/office/2006/metadata/properties" ma:root="true" ma:fieldsID="23b7d6e20be009aa92653d18885db023" ns2:_="">
     <xsd:import namespace="03166b46-52e3-40b9-9bb8-75af4c8b4270"/>
@@ -30347,24 +30362,22 @@
 </ct:contentTypeSchema>
 </file>
 
-<file path=customXml/itemProps1.xml><?xml version="1.0" encoding="utf-8"?>
-<ds:datastoreItem xmlns:ds="http://schemas.openxmlformats.org/officeDocument/2006/customXml" ds:itemID="{627082C3-E628-4831-9E57-718101C87A53}">
-  <ds:schemaRefs>
-    <ds:schemaRef ds:uri="http://schemas.microsoft.com/sharepoint/v3/contenttype/forms"/>
-  </ds:schemaRefs>
-</ds:datastoreItem>
+<file path=customXml/item2.xml><?xml version="1.0" encoding="utf-8"?>
+<p:properties xmlns:p="http://schemas.microsoft.com/office/2006/metadata/properties" xmlns:xsi="http://www.w3.org/2001/XMLSchema-instance" xmlns:pc="http://schemas.microsoft.com/office/infopath/2007/PartnerControls">
+  <documentManagement/>
+</p:properties>
 </file>
 
-<file path=customXml/itemProps2.xml><?xml version="1.0" encoding="utf-8"?>
-<ds:datastoreItem xmlns:ds="http://schemas.openxmlformats.org/officeDocument/2006/customXml" ds:itemID="{5ABC3B88-8D64-4653-85A0-5AB73C46FE84}">
-  <ds:schemaRefs>
-    <ds:schemaRef ds:uri="http://schemas.microsoft.com/office/2006/metadata/properties"/>
-    <ds:schemaRef ds:uri="http://schemas.microsoft.com/office/infopath/2007/PartnerControls"/>
-  </ds:schemaRefs>
-</ds:datastoreItem>
+<file path=customXml/item3.xml><?xml version="1.0" encoding="utf-8"?>
+<?mso-contentType ?>
+<FormTemplates xmlns="http://schemas.microsoft.com/sharepoint/v3/contenttype/forms">
+  <Display>DocumentLibraryForm</Display>
+  <Edit>DocumentLibraryForm</Edit>
+  <New>DocumentLibraryForm</New>
+</FormTemplates>
 </file>
 
-<file path=customXml/itemProps3.xml><?xml version="1.0" encoding="utf-8"?>
+<file path=customXml/itemProps1.xml><?xml version="1.0" encoding="utf-8"?>
 <ds:datastoreItem xmlns:ds="http://schemas.openxmlformats.org/officeDocument/2006/customXml" ds:itemID="{E7C9E1E1-3C33-400E-AD9F-BAB8537F761C}">
   <ds:schemaRefs>
     <ds:schemaRef ds:uri="http://schemas.microsoft.com/office/2006/metadata/contentType"/>
@@ -30380,4 +30393,21 @@
     <ds:schemaRef ds:uri="http://schemas.microsoft.com/internal/obd"/>
   </ds:schemaRefs>
 </ds:datastoreItem>
+</file>
+
+<file path=customXml/itemProps2.xml><?xml version="1.0" encoding="utf-8"?>
+<ds:datastoreItem xmlns:ds="http://schemas.openxmlformats.org/officeDocument/2006/customXml" ds:itemID="{5ABC3B88-8D64-4653-85A0-5AB73C46FE84}">
+  <ds:schemaRefs>
+    <ds:schemaRef ds:uri="http://schemas.microsoft.com/office/2006/metadata/properties"/>
+    <ds:schemaRef ds:uri="http://schemas.microsoft.com/office/infopath/2007/PartnerControls"/>
+  </ds:schemaRefs>
+</ds:datastoreItem>
+</file>
+
+<file path=customXml/itemProps3.xml><?xml version="1.0" encoding="utf-8"?>
+<ds:datastoreItem xmlns:ds="http://schemas.openxmlformats.org/officeDocument/2006/customXml" ds:itemID="{627082C3-E628-4831-9E57-718101C87A53}">
+  <ds:schemaRefs>
+    <ds:schemaRef ds:uri="http://schemas.microsoft.com/sharepoint/v3/contenttype/forms"/>
+  </ds:schemaRefs>
+</ds:datastoreItem>
 </file>